--- a/IMG2.pptx
+++ b/IMG2.pptx
@@ -71,7 +71,7 @@
         <p:txBody>
           <a:bodyPr/>
           <a:p>
-            <a:fld id="{2508A698-E39F-4677-98B8-A6A124826B2B}" type="slidenum">
+            <a:fld id="{F7195916-37E1-46FA-92DE-4B59B998D8FB}" type="slidenum">
               <a:t>&lt;#&gt;</a:t>
             </a:fld>
           </a:p>
@@ -280,7 +280,7 @@
         <p:txBody>
           <a:bodyPr/>
           <a:p>
-            <a:fld id="{24D59272-C97B-4A30-8CE0-93D6C96BBDBA}" type="slidenum">
+            <a:fld id="{517ABB1E-564C-471D-90DE-08C039954199}" type="slidenum">
               <a:t>&lt;#&gt;</a:t>
             </a:fld>
           </a:p>
@@ -575,7 +575,7 @@
         <p:txBody>
           <a:bodyPr/>
           <a:p>
-            <a:fld id="{D89CAD97-EC73-48E0-8322-6676F3FA7829}" type="slidenum">
+            <a:fld id="{ED587A46-5B32-45B8-835E-2DC07AA2494D}" type="slidenum">
               <a:t>&lt;#&gt;</a:t>
             </a:fld>
           </a:p>
@@ -956,7 +956,7 @@
         <p:txBody>
           <a:bodyPr/>
           <a:p>
-            <a:fld id="{CB33DFB7-9793-4622-9684-8865837E46FA}" type="slidenum">
+            <a:fld id="{FA0A2419-A4DF-4800-A580-2CB34B70E6CE}" type="slidenum">
               <a:t>&lt;#&gt;</a:t>
             </a:fld>
           </a:p>
@@ -1119,7 +1119,7 @@
         <p:txBody>
           <a:bodyPr/>
           <a:p>
-            <a:fld id="{6826900C-97F9-46BD-9EA7-4684FF194F12}" type="slidenum">
+            <a:fld id="{E1D042D1-1475-4A89-9CCB-B5A9678ECB8E}" type="slidenum">
               <a:t>&lt;#&gt;</a:t>
             </a:fld>
           </a:p>
@@ -1285,7 +1285,7 @@
         <p:txBody>
           <a:bodyPr/>
           <a:p>
-            <a:fld id="{DB56EB56-E3CE-4616-BDB3-B3DC968DCA89}" type="slidenum">
+            <a:fld id="{97D23A18-E46D-460F-976B-3E44D438964C}" type="slidenum">
               <a:t>&lt;#&gt;</a:t>
             </a:fld>
           </a:p>
@@ -1494,7 +1494,7 @@
         <p:txBody>
           <a:bodyPr/>
           <a:p>
-            <a:fld id="{F829CBF2-3849-4260-8C71-D29C06FF84BB}" type="slidenum">
+            <a:fld id="{D7C1D7A7-F4DC-49E6-84AB-2AB4C7D1B03A}" type="slidenum">
               <a:t>&lt;#&gt;</a:t>
             </a:fld>
           </a:p>
@@ -1617,7 +1617,7 @@
         <p:txBody>
           <a:bodyPr/>
           <a:p>
-            <a:fld id="{4A169EA0-47F2-404A-B021-9515E5DFBB03}" type="slidenum">
+            <a:fld id="{D7B573F5-00AB-4B07-859B-16E8B8281166}" type="slidenum">
               <a:t>&lt;#&gt;</a:t>
             </a:fld>
           </a:p>
@@ -1738,7 +1738,7 @@
         <p:txBody>
           <a:bodyPr/>
           <a:p>
-            <a:fld id="{74F3E446-D50C-4CB7-9401-613D8F22AA12}" type="slidenum">
+            <a:fld id="{F74FFB1C-991A-406B-B8CE-1D8FD5EA7077}" type="slidenum">
               <a:t>&lt;#&gt;</a:t>
             </a:fld>
           </a:p>
@@ -1990,7 +1990,7 @@
         <p:txBody>
           <a:bodyPr/>
           <a:p>
-            <a:fld id="{D362A88C-7463-45CC-9714-5228A7EEA412}" type="slidenum">
+            <a:fld id="{7B8ED7A2-0FD4-49E3-8D1B-44E6C29CB3D7}" type="slidenum">
               <a:t>&lt;#&gt;</a:t>
             </a:fld>
           </a:p>
@@ -2242,7 +2242,7 @@
         <p:txBody>
           <a:bodyPr/>
           <a:p>
-            <a:fld id="{2B9474DA-BA36-4011-B5EE-170AA4C28385}" type="slidenum">
+            <a:fld id="{F7343F16-AD9E-4E13-84B5-D9DC659D346E}" type="slidenum">
               <a:t>&lt;#&gt;</a:t>
             </a:fld>
           </a:p>
@@ -2494,7 +2494,7 @@
         <p:txBody>
           <a:bodyPr/>
           <a:p>
-            <a:fld id="{A1F1E615-F467-4670-B85F-10E076FD2539}" type="slidenum">
+            <a:fld id="{AD711647-9C31-4778-A43A-40F07A5D4A93}" type="slidenum">
               <a:t>&lt;#&gt;</a:t>
             </a:fld>
           </a:p>
@@ -2552,7 +2552,7 @@
         <p:spPr>
           <a:xfrm>
             <a:off x="0" y="0"/>
-            <a:ext cx="10078920" cy="5668920"/>
+            <a:ext cx="10078560" cy="5668560"/>
           </a:xfrm>
           <a:prstGeom prst="rect">
             <a:avLst/>
@@ -2607,7 +2607,7 @@
         <p:spPr>
           <a:xfrm>
             <a:off x="1440000" y="1080000"/>
-            <a:ext cx="1438920" cy="1258920"/>
+            <a:ext cx="1438560" cy="1258560"/>
           </a:xfrm>
           <a:prstGeom prst="ellipse">
             <a:avLst/>
@@ -2656,7 +2656,7 @@
         <p:spPr>
           <a:xfrm>
             <a:off x="7380000" y="3960000"/>
-            <a:ext cx="1438920" cy="1258920"/>
+            <a:ext cx="1438560" cy="1258560"/>
           </a:xfrm>
           <a:prstGeom prst="ellipse">
             <a:avLst/>
@@ -2705,7 +2705,7 @@
         <p:spPr>
           <a:xfrm>
             <a:off x="9000000" y="2700000"/>
-            <a:ext cx="1258920" cy="1078920"/>
+            <a:ext cx="1258560" cy="1078560"/>
           </a:xfrm>
           <a:prstGeom prst="ellipse">
             <a:avLst/>
@@ -2754,7 +2754,7 @@
         <p:spPr>
           <a:xfrm>
             <a:off x="-180000" y="2430000"/>
-            <a:ext cx="1438920" cy="1348920"/>
+            <a:ext cx="1438560" cy="1348560"/>
           </a:xfrm>
           <a:prstGeom prst="ellipse">
             <a:avLst/>
@@ -2803,7 +2803,7 @@
         <p:spPr>
           <a:xfrm>
             <a:off x="540000" y="1080000"/>
-            <a:ext cx="718920" cy="718920"/>
+            <a:ext cx="718560" cy="718560"/>
           </a:xfrm>
           <a:prstGeom prst="ellipse">
             <a:avLst/>
@@ -2852,7 +2852,7 @@
         <p:spPr>
           <a:xfrm>
             <a:off x="0" y="1260000"/>
-            <a:ext cx="718920" cy="718920"/>
+            <a:ext cx="718560" cy="718560"/>
           </a:xfrm>
           <a:prstGeom prst="ellipse">
             <a:avLst/>
@@ -2901,7 +2901,7 @@
         <p:spPr>
           <a:xfrm>
             <a:off x="0" y="5220000"/>
-            <a:ext cx="1618920" cy="1258920"/>
+            <a:ext cx="1618560" cy="1258560"/>
           </a:xfrm>
           <a:prstGeom prst="ellipse">
             <a:avLst/>
@@ -2950,7 +2950,7 @@
         <p:spPr>
           <a:xfrm>
             <a:off x="9720000" y="4680000"/>
-            <a:ext cx="718920" cy="718920"/>
+            <a:ext cx="718560" cy="718560"/>
           </a:xfrm>
           <a:prstGeom prst="ellipse">
             <a:avLst/>
@@ -2999,7 +2999,7 @@
         <p:spPr>
           <a:xfrm>
             <a:off x="9540000" y="3420000"/>
-            <a:ext cx="718920" cy="718920"/>
+            <a:ext cx="718560" cy="718560"/>
           </a:xfrm>
           <a:prstGeom prst="ellipse">
             <a:avLst/>
@@ -3048,7 +3048,7 @@
         <p:spPr>
           <a:xfrm>
             <a:off x="8100000" y="4680000"/>
-            <a:ext cx="1078920" cy="841320"/>
+            <a:ext cx="1078560" cy="840960"/>
           </a:xfrm>
           <a:prstGeom prst="ellipse">
             <a:avLst/>
@@ -3097,7 +3097,7 @@
         <p:spPr>
           <a:xfrm>
             <a:off x="7920000" y="5400000"/>
-            <a:ext cx="898920" cy="898920"/>
+            <a:ext cx="898560" cy="898560"/>
           </a:xfrm>
           <a:prstGeom prst="ellipse">
             <a:avLst/>
@@ -3150,7 +3150,7 @@
         <p:spPr>
           <a:xfrm>
             <a:off x="3420000" y="5130000"/>
-            <a:ext cx="3238920" cy="391320"/>
+            <a:ext cx="3238560" cy="390960"/>
           </a:xfrm>
           <a:prstGeom prst="rect">
             <a:avLst/>
@@ -3222,7 +3222,7 @@
         <p:spPr>
           <a:xfrm>
             <a:off x="7560000" y="5130000"/>
-            <a:ext cx="2338920" cy="391320"/>
+            <a:ext cx="2338560" cy="390960"/>
           </a:xfrm>
           <a:prstGeom prst="rect">
             <a:avLst/>
@@ -3263,14 +3263,14 @@
                 <a:tab algn="l" pos="0"/>
               </a:tabLst>
             </a:pPr>
-            <a:fld id="{3A4E9FDB-0B09-4867-8E26-5A8D10906D52}" type="slidenum">
+            <a:fld id="{E8E35E13-15AE-4D3E-A5AB-52C98D12BF53}" type="slidenum">
               <a:rPr b="0" lang="ru-RU" sz="1400" spc="-1" strike="noStrike">
                 <a:solidFill>
                   <a:srgbClr val="ffffff"/>
                 </a:solidFill>
                 <a:latin typeface="Arial"/>
               </a:rPr>
-              <a:t>9</a:t>
+              <a:t>3</a:t>
             </a:fld>
             <a:endParaRPr b="0" lang="ru-RU" sz="1400" spc="-1" strike="noStrike">
               <a:solidFill>
@@ -3294,7 +3294,7 @@
         <p:spPr>
           <a:xfrm>
             <a:off x="180000" y="5130000"/>
-            <a:ext cx="2338920" cy="391320"/>
+            <a:ext cx="2338560" cy="390960"/>
           </a:xfrm>
           <a:prstGeom prst="rect">
             <a:avLst/>
@@ -3379,7 +3379,7 @@
                 </a:solidFill>
                 <a:latin typeface="Arial"/>
               </a:rPr>
-              <a:t>Для правки текста заглавия </a:t>
+              <a:t>Для правки </a:t>
             </a:r>
             <a:r>
               <a:rPr b="0" lang="ru-RU" sz="4400" spc="-1" strike="noStrike">
@@ -3388,7 +3388,25 @@
                 </a:solidFill>
                 <a:latin typeface="Arial"/>
               </a:rPr>
-              <a:t>щёлкните мышью</a:t>
+              <a:t>текста заглавия </a:t>
+            </a:r>
+            <a:r>
+              <a:rPr b="0" lang="ru-RU" sz="4400" spc="-1" strike="noStrike">
+                <a:solidFill>
+                  <a:srgbClr val="000000"/>
+                </a:solidFill>
+                <a:latin typeface="Arial"/>
+              </a:rPr>
+              <a:t>щёлкните </a:t>
+            </a:r>
+            <a:r>
+              <a:rPr b="0" lang="ru-RU" sz="4400" spc="-1" strike="noStrike">
+                <a:solidFill>
+                  <a:srgbClr val="000000"/>
+                </a:solidFill>
+                <a:latin typeface="Arial"/>
+              </a:rPr>
+              <a:t>мышью</a:t>
             </a:r>
             <a:endParaRPr b="0" lang="ru-RU" sz="4400" spc="-1" strike="noStrike">
               <a:solidFill>
@@ -3674,7 +3692,7 @@
         <p:spPr>
           <a:xfrm>
             <a:off x="504000" y="1428840"/>
-            <a:ext cx="9070560" cy="945720"/>
+            <a:ext cx="9070200" cy="945360"/>
           </a:xfrm>
           <a:prstGeom prst="rect">
             <a:avLst/>
@@ -3729,7 +3747,7 @@
         <p:spPr>
           <a:xfrm>
             <a:off x="7560000" y="4205160"/>
-            <a:ext cx="2014560" cy="833760"/>
+            <a:ext cx="2014200" cy="833400"/>
           </a:xfrm>
           <a:prstGeom prst="rect">
             <a:avLst/>
@@ -3840,7 +3858,7 @@
         <p:spPr>
           <a:xfrm>
             <a:off x="444600" y="360000"/>
-            <a:ext cx="9070560" cy="945720"/>
+            <a:ext cx="9070200" cy="945360"/>
           </a:xfrm>
           <a:prstGeom prst="rect">
             <a:avLst/>
@@ -3871,16 +3889,7 @@
                 </a:solidFill>
                 <a:latin typeface="Arial"/>
               </a:rPr>
-              <a:t>Requirem</a:t>
-            </a:r>
-            <a:r>
-              <a:rPr b="0" lang="ru-RU" sz="3300" spc="-1" strike="noStrike">
-                <a:solidFill>
-                  <a:srgbClr val="ffffff"/>
-                </a:solidFill>
-                <a:latin typeface="Arial"/>
-              </a:rPr>
-              <a:t>ents</a:t>
+              <a:t>Requirements</a:t>
             </a:r>
             <a:endParaRPr b="0" lang="ru-RU" sz="3300" spc="-1" strike="noStrike">
               <a:solidFill>
@@ -3904,7 +3913,7 @@
         <p:spPr>
           <a:xfrm>
             <a:off x="504360" y="1440000"/>
-            <a:ext cx="9034560" cy="3958920"/>
+            <a:ext cx="9034200" cy="3958560"/>
           </a:xfrm>
           <a:prstGeom prst="rect">
             <a:avLst/>
@@ -3952,17 +3961,7 @@
                 <a:latin typeface="Arial"/>
                 <a:ea typeface="Noto Sans CJK SC"/>
               </a:rPr>
-              <a:t>Rust language was chosen for the project because of its asyncrhonous API for IO operations, </a:t>
-            </a:r>
-            <a:r>
-              <a:rPr b="0" lang="ru-RU" sz="1600" spc="-1" strike="noStrike">
-                <a:solidFill>
-                  <a:srgbClr val="ffffff"/>
-                </a:solidFill>
-                <a:latin typeface="Arial"/>
-                <a:ea typeface="Noto Sans CJK SC"/>
-              </a:rPr>
-              <a:t>impressive runtime and the declarative style. MIDI reading/writing is implemented with</a:t>
+              <a:t>Rust language was chosen for the project because of its asyncrhonous API for IO operations, impressive runtime and the declarative style. MIDI reading/writing is implemented with</a:t>
             </a:r>
             <a:r>
               <a:rPr b="0" lang="ru-RU" sz="1600" spc="-1" strike="noStrike">
@@ -4067,27 +4066,7 @@
                 <a:latin typeface="Arial"/>
                 <a:ea typeface="Noto Sans CJK SC"/>
               </a:rPr>
-              <a:t> which is based on the </a:t>
-            </a:r>
-            <a:r>
-              <a:rPr b="0" lang="ru-RU" sz="1600" spc="-1" strike="noStrike">
-                <a:solidFill>
-                  <a:srgbClr val="ffffff"/>
-                </a:solidFill>
-                <a:latin typeface="Arial"/>
-                <a:ea typeface="Noto Sans CJK SC"/>
-              </a:rPr>
-              <a:t>native polling mechanism (epoll for Linux, kqueue for FreeBSD). Several libraries were used as </a:t>
-            </a:r>
-            <a:r>
-              <a:rPr b="0" lang="ru-RU" sz="1600" spc="-1" strike="noStrike">
-                <a:solidFill>
-                  <a:srgbClr val="ffffff"/>
-                </a:solidFill>
-                <a:latin typeface="Arial"/>
-                <a:ea typeface="Noto Sans CJK SC"/>
-              </a:rPr>
-              <a:t>utilities (pseudo-random, PI calculation, time management, etc.). All of them are listed </a:t>
+              <a:t> which is based on the native polling mechanism (epoll for Linux, kqueue for FreeBSD). Several libraries were used as utilities (pseudo-random, PI calculation, time management, etc.). All of them are listed </a:t>
             </a:r>
             <a:r>
               <a:rPr b="0" lang="ru-RU" sz="1600" spc="-1" strike="noStrike" u="sng">
@@ -4157,37 +4136,7 @@
                 <a:latin typeface="Arial"/>
                 <a:ea typeface="Noto Sans CJK SC"/>
               </a:rPr>
-              <a:t> It contains all solutions that were implemented during the </a:t>
-            </a:r>
-            <a:r>
-              <a:rPr b="0" lang="ru-RU" sz="1600" spc="-1" strike="noStrike">
-                <a:solidFill>
-                  <a:srgbClr val="ffffff"/>
-                </a:solidFill>
-                <a:latin typeface="Arial"/>
-                <a:ea typeface="Noto Sans CJK SC"/>
-              </a:rPr>
-              <a:t>whole process. Project can be cloned and executed localy through the Rust project manager </a:t>
-            </a:r>
-            <a:r>
-              <a:rPr b="0" lang="ru-RU" sz="1600" spc="-1" strike="noStrike">
-                <a:solidFill>
-                  <a:srgbClr val="ffffff"/>
-                </a:solidFill>
-                <a:latin typeface="Arial"/>
-                <a:ea typeface="Noto Sans CJK SC"/>
-              </a:rPr>
-              <a:t>`cargo` with the standart `cargo run` command. It will produce `*.mid` files in the `./generated` folder. </a:t>
-            </a:r>
-            <a:r>
-              <a:rPr b="0" lang="ru-RU" sz="1600" spc="-1" strike="noStrike">
-                <a:solidFill>
-                  <a:srgbClr val="ffffff"/>
-                </a:solidFill>
-                <a:latin typeface="Arial"/>
-                <a:ea typeface="Noto Sans CJK SC"/>
-              </a:rPr>
-              <a:t>Files are named with the melody’s key, BPM and time when melody was generated.</a:t>
+              <a:t> It contains all solutions that were implemented during the whole process. Project can be cloned and executed localy through the Rust project manager `cargo` with the standart `cargo run` command. It will produce `*.mid` files in the `./generated` folder. Files are named with the melody’s key, BPM and time when melody was generated.</a:t>
             </a:r>
             <a:br>
               <a:rPr sz="1600"/>
@@ -4247,7 +4196,7 @@
         <p:spPr>
           <a:xfrm>
             <a:off x="444600" y="360000"/>
-            <a:ext cx="9070560" cy="945720"/>
+            <a:ext cx="9070200" cy="945360"/>
           </a:xfrm>
           <a:prstGeom prst="rect">
             <a:avLst/>
@@ -4301,8 +4250,8 @@
         </p:nvSpPr>
         <p:spPr>
           <a:xfrm>
-            <a:off x="360000" y="1305720"/>
-            <a:ext cx="4140000" cy="2294280"/>
+            <a:off x="360000" y="1486080"/>
+            <a:ext cx="8460000" cy="2653920"/>
           </a:xfrm>
           <a:prstGeom prst="rect">
             <a:avLst/>
@@ -4336,6 +4285,64 @@
               </a:rPr>
               <a:t>Genetic algorithm was chosen for the project. Implementation involves all main 4 stages (initial population generation, selection with fitness function, crossover and mutation). Additionally, algorithm generates two melodies and combines them together with a delay equal to the half of the bar.</a:t>
             </a:r>
+            <a:br>
+              <a:rPr sz="1600"/>
+            </a:br>
+            <a:br>
+              <a:rPr sz="1600"/>
+            </a:br>
+            <a:r>
+              <a:rPr b="0" lang="ru-RU" sz="1600" spc="-1" strike="noStrike">
+                <a:solidFill>
+                  <a:srgbClr val="ffffff"/>
+                </a:solidFill>
+                <a:latin typeface="Arial"/>
+                <a:ea typeface="Noto Sans CJK SC"/>
+              </a:rPr>
+              <a:t>Multiple tracks and instruments were chosen to make sound more powerful. For the lead melody,</a:t>
+            </a:r>
+            <a:r>
+              <a:rPr b="0" lang="ru-RU" sz="1600" spc="-1" strike="noStrike">
+                <a:solidFill>
+                  <a:srgbClr val="729fcf"/>
+                </a:solidFill>
+                <a:latin typeface="Arial"/>
+                <a:ea typeface="Noto Sans CJK SC"/>
+              </a:rPr>
+              <a:t> </a:t>
+            </a:r>
+            <a:r>
+              <a:rPr b="0" lang="ru-RU" sz="1600" spc="-1" strike="noStrike" u="sng">
+                <a:solidFill>
+                  <a:srgbClr val="0000ff"/>
+                </a:solidFill>
+                <a:uFillTx/>
+                <a:latin typeface="Arial"/>
+                <a:ea typeface="Noto Sans CJK SC"/>
+                <a:hlinkClick r:id="rId1"/>
+              </a:rPr>
+              <a:t>MIDI instruments</a:t>
+            </a:r>
+            <a:r>
+              <a:rPr b="0" lang="ru-RU" sz="1600" spc="-1" strike="noStrike">
+                <a:solidFill>
+                  <a:srgbClr val="729fcf"/>
+                </a:solidFill>
+                <a:latin typeface="Arial"/>
+                <a:ea typeface="Noto Sans CJK SC"/>
+              </a:rPr>
+              <a:t>  </a:t>
+            </a:r>
+            <a:r>
+              <a:rPr b="0" lang="ru-RU" sz="1600" spc="-1" strike="noStrike">
+                <a:solidFill>
+                  <a:srgbClr val="ffffff"/>
+                </a:solidFill>
+                <a:latin typeface="Arial"/>
+                <a:ea typeface="Noto Sans CJK SC"/>
+              </a:rPr>
+              <a:t>1 (Acoustic Grand Piano) and 5 (Electric Piano 1) were chosen. As for the chords, instruments 5 (Electric Piano 1), 28 (Clean Electric Guitar) and 33 (Acoustic Bass) were chosen. All generated melodies are written in Aeolian mode with BPM in range [75;110].</a:t>
+            </a:r>
             <a:endParaRPr b="0" lang="ru-RU" sz="1600" spc="-1" strike="noStrike">
               <a:solidFill>
                 <a:srgbClr val="000000"/>
@@ -4345,39 +4352,16 @@
           </a:p>
         </p:txBody>
       </p:sp>
-      <p:pic>
-        <p:nvPicPr>
-          <p:cNvPr id="59" name="" descr=""/>
-          <p:cNvPicPr/>
+      <p:sp>
+        <p:nvSpPr>
+          <p:cNvPr id="59" name="PlaceHolder 5"/>
+          <p:cNvSpPr/>
           <p:nvPr/>
-        </p:nvPicPr>
-        <p:blipFill>
-          <a:blip r:embed="rId1"/>
-          <a:stretch/>
-        </p:blipFill>
-        <p:spPr>
-          <a:xfrm rot="21581400">
-            <a:off x="4626360" y="1270440"/>
-            <a:ext cx="5090760" cy="1415520"/>
-          </a:xfrm>
-          <a:prstGeom prst="rect">
-            <a:avLst/>
-          </a:prstGeom>
-          <a:ln w="0">
-            <a:noFill/>
-          </a:ln>
-        </p:spPr>
-      </p:pic>
-      <p:sp>
-        <p:nvSpPr>
-          <p:cNvPr id="60" name="PlaceHolder 5"/>
-          <p:cNvSpPr txBox="1"/>
-          <p:nvPr/>
         </p:nvSpPr>
         <p:spPr>
           <a:xfrm>
             <a:off x="324360" y="3420000"/>
-            <a:ext cx="9215640" cy="1800000"/>
+            <a:ext cx="9215280" cy="1799640"/>
           </a:xfrm>
           <a:prstGeom prst="rect">
             <a:avLst/>
@@ -4387,6 +4371,12 @@
             <a:noFill/>
           </a:ln>
         </p:spPr>
+        <p:style>
+          <a:lnRef idx="0"/>
+          <a:fillRef idx="0"/>
+          <a:effectRef idx="0"/>
+          <a:fontRef idx="minor"/>
+        </p:style>
         <p:txBody>
           <a:bodyPr lIns="0" rIns="0" tIns="0" bIns="0" anchor="t">
             <a:noAutofit/>
@@ -4400,67 +4390,7 @@
                 <a:tab algn="l" pos="0"/>
               </a:tabLst>
             </a:pPr>
-            <a:r>
-              <a:rPr b="0" lang="ru-RU" sz="1600" spc="-1" strike="noStrike">
-                <a:solidFill>
-                  <a:srgbClr val="ffffff"/>
-                </a:solidFill>
-                <a:latin typeface="Arial"/>
-                <a:ea typeface="Noto Sans CJK SC"/>
-              </a:rPr>
-              <a:t>Multiple tracks and instruments were chosen to make sound more powerful. For the lead melody,</a:t>
-            </a:r>
-            <a:r>
-              <a:rPr b="0" lang="ru-RU" sz="1600" spc="-1" strike="noStrike">
-                <a:solidFill>
-                  <a:srgbClr val="729fcf"/>
-                </a:solidFill>
-                <a:latin typeface="Arial"/>
-                <a:ea typeface="Noto Sans CJK SC"/>
-              </a:rPr>
-              <a:t> </a:t>
-            </a:r>
-            <a:r>
-              <a:rPr b="0" lang="ru-RU" sz="1600" spc="-1" strike="noStrike">
-                <a:solidFill>
-                  <a:srgbClr val="729fcf"/>
-                </a:solidFill>
-                <a:latin typeface="Arial"/>
-                <a:ea typeface="Noto Sans CJK SC"/>
-                <a:hlinkClick r:id="rId2"/>
-              </a:rPr>
-              <a:t>MIDI instruments</a:t>
-            </a:r>
-            <a:r>
-              <a:rPr b="0" lang="ru-RU" sz="1600" spc="-1" strike="noStrike">
-                <a:solidFill>
-                  <a:srgbClr val="729fcf"/>
-                </a:solidFill>
-                <a:latin typeface="Arial"/>
-                <a:ea typeface="Noto Sans CJK SC"/>
-              </a:rPr>
-              <a:t>  </a:t>
-            </a:r>
-            <a:r>
-              <a:rPr b="0" lang="ru-RU" sz="1600" spc="-1" strike="noStrike">
-                <a:solidFill>
-                  <a:srgbClr val="ffffff"/>
-                </a:solidFill>
-                <a:latin typeface="Arial"/>
-                <a:ea typeface="Noto Sans CJK SC"/>
-              </a:rPr>
-              <a:t>1 (Acoustic Grand Piano) and 5 (Electric Piano 1) were chosen. As for the chords, instruments 5 </a:t>
-            </a:r>
-            <a:r>
-              <a:rPr b="0" lang="ru-RU" sz="1600" spc="-1" strike="noStrike">
-                <a:solidFill>
-                  <a:srgbClr val="ffffff"/>
-                </a:solidFill>
-                <a:latin typeface="Arial"/>
-              </a:rPr>
-              <a:t>(Electric Piano 1), 28 (Clean Electric Guitar) and 33 (Acoustic Bass) were chosen. All generated melodies are written in Aeolian mode with BPM in range [85;115].</a:t>
-            </a:r>
-            <a:endParaRPr b="0" lang="ru-RU" sz="1600" spc="-1" strike="noStrike">
+            <a:endParaRPr b="0" lang="ru-RU" sz="1800" spc="-1" strike="noStrike">
               <a:solidFill>
                 <a:srgbClr val="000000"/>
               </a:solidFill>
@@ -4501,7 +4431,7 @@
       </p:grpSpPr>
       <p:sp>
         <p:nvSpPr>
-          <p:cNvPr id="61" name="PlaceHolder 1"/>
+          <p:cNvPr id="60" name="PlaceHolder 1"/>
           <p:cNvSpPr>
             <a:spLocks noGrp="1"/>
           </p:cNvSpPr>
@@ -4512,7 +4442,7 @@
         <p:spPr>
           <a:xfrm>
             <a:off x="444600" y="360000"/>
-            <a:ext cx="9070560" cy="945720"/>
+            <a:ext cx="9070200" cy="945360"/>
           </a:xfrm>
           <a:prstGeom prst="rect">
             <a:avLst/>
@@ -4556,7 +4486,7 @@
       </p:sp>
       <p:sp>
         <p:nvSpPr>
-          <p:cNvPr id="62" name="PlaceHolder 2"/>
+          <p:cNvPr id="61" name="PlaceHolder 2"/>
           <p:cNvSpPr>
             <a:spLocks noGrp="1"/>
           </p:cNvSpPr>
@@ -4567,7 +4497,7 @@
         <p:spPr>
           <a:xfrm>
             <a:off x="504360" y="1440000"/>
-            <a:ext cx="9034560" cy="3958920"/>
+            <a:ext cx="9034200" cy="3958560"/>
           </a:xfrm>
           <a:prstGeom prst="rect">
             <a:avLst/>
@@ -4599,17 +4529,7 @@
                 <a:latin typeface="Arial"/>
                 <a:ea typeface="Noto Sans CJK SC"/>
               </a:rPr>
-              <a:t>Initial population is generated with the previously implemented algorithm that involves arpeggiation. </a:t>
-            </a:r>
-            <a:r>
-              <a:rPr b="0" lang="ru-RU" sz="1600" spc="-1" strike="noStrike">
-                <a:solidFill>
-                  <a:srgbClr val="ffffff"/>
-                </a:solidFill>
-                <a:latin typeface="Arial"/>
-                <a:ea typeface="Noto Sans CJK SC"/>
-              </a:rPr>
-              <a:t>However, this time tempo and key restrictions were removed to generate more possible results.</a:t>
+              <a:t>Initial population is generated with the previously implemented algorithm that involves arpeggiation. However, this time tempo and key restrictions were removed to generate more possible results.</a:t>
             </a:r>
             <a:br>
               <a:rPr sz="1600"/>
@@ -4625,17 +4545,7 @@
                 <a:latin typeface="Arial"/>
                 <a:ea typeface="Noto Sans CJK SC"/>
               </a:rPr>
-              <a:t>Algorithm separates bar on 16 parts, creates a tonic note with a zero delay and a length equal to </a:t>
-            </a:r>
-            <a:r>
-              <a:rPr b="0" lang="ru-RU" sz="1600" spc="-1" strike="noStrike">
-                <a:solidFill>
-                  <a:srgbClr val="ffffff"/>
-                </a:solidFill>
-                <a:latin typeface="Arial"/>
-                <a:ea typeface="Noto Sans CJK SC"/>
-              </a:rPr>
-              <a:t>1/16 of bar. Then it travels across all 16 parts of the bar and tries to put a note with the same length</a:t>
+              <a:t>Algorithm separates bar on 16 parts, creates a tonic note with a zero delay and a length equal to 1/16 of bar. Then it travels across all 16 parts of the bar and tries to put a note with the same length</a:t>
             </a:r>
             <a:endParaRPr b="0" lang="ru-RU" sz="1600" spc="-1" strike="noStrike">
               <a:solidFill>
@@ -4733,27 +4643,7 @@
                 <a:latin typeface="Arial"/>
                 <a:ea typeface="Noto Sans CJK SC"/>
               </a:rPr>
-              <a:t>Before the generation, BPM and key are generated and passed to the generation function. All </a:t>
-            </a:r>
-            <a:r>
-              <a:rPr b="0" lang="ru-RU" sz="1600" spc="-1" strike="noStrike">
-                <a:solidFill>
-                  <a:srgbClr val="ffffff"/>
-                </a:solidFill>
-                <a:latin typeface="Arial"/>
-                <a:ea typeface="Noto Sans CJK SC"/>
-              </a:rPr>
-              <a:t>possible populations are strictly limited with length 1000, which is enough to generate acceptable </a:t>
-            </a:r>
-            <a:r>
-              <a:rPr b="0" lang="ru-RU" sz="1600" spc="-1" strike="noStrike">
-                <a:solidFill>
-                  <a:srgbClr val="ffffff"/>
-                </a:solidFill>
-                <a:latin typeface="Arial"/>
-                <a:ea typeface="Noto Sans CJK SC"/>
-              </a:rPr>
-              <a:t>results in a short time. </a:t>
+              <a:t>Before the generation, BPM and key are generated and passed to the generation function. All possible populations are strictly limited with length 1000, which is enough to generate acceptable results in a short time. </a:t>
             </a:r>
             <a:endParaRPr b="0" lang="ru-RU" sz="1600" spc="-1" strike="noStrike">
               <a:solidFill>
@@ -4796,7 +4686,7 @@
       </p:grpSpPr>
       <p:sp>
         <p:nvSpPr>
-          <p:cNvPr id="63" name="PlaceHolder 1"/>
+          <p:cNvPr id="62" name="PlaceHolder 1"/>
           <p:cNvSpPr>
             <a:spLocks noGrp="1"/>
           </p:cNvSpPr>
@@ -4807,7 +4697,7 @@
         <p:spPr>
           <a:xfrm>
             <a:off x="444600" y="360000"/>
-            <a:ext cx="9070560" cy="945720"/>
+            <a:ext cx="9070200" cy="945360"/>
           </a:xfrm>
           <a:prstGeom prst="rect">
             <a:avLst/>
@@ -4851,7 +4741,7 @@
       </p:sp>
       <p:sp>
         <p:nvSpPr>
-          <p:cNvPr id="64" name="PlaceHolder 2"/>
+          <p:cNvPr id="63" name="PlaceHolder 2"/>
           <p:cNvSpPr>
             <a:spLocks noGrp="1"/>
           </p:cNvSpPr>
@@ -4862,7 +4752,7 @@
         <p:spPr>
           <a:xfrm>
             <a:off x="504360" y="1440000"/>
-            <a:ext cx="9034560" cy="3958920"/>
+            <a:ext cx="9034200" cy="3958560"/>
           </a:xfrm>
           <a:prstGeom prst="rect">
             <a:avLst/>
@@ -4966,7 +4856,7 @@
       </p:grpSpPr>
       <p:sp>
         <p:nvSpPr>
-          <p:cNvPr id="65" name="PlaceHolder 1"/>
+          <p:cNvPr id="64" name="PlaceHolder 1"/>
           <p:cNvSpPr>
             <a:spLocks noGrp="1"/>
           </p:cNvSpPr>
@@ -4977,7 +4867,7 @@
         <p:spPr>
           <a:xfrm>
             <a:off x="444600" y="360000"/>
-            <a:ext cx="9070560" cy="945720"/>
+            <a:ext cx="9070200" cy="945360"/>
           </a:xfrm>
           <a:prstGeom prst="rect">
             <a:avLst/>
@@ -5021,7 +4911,7 @@
       </p:sp>
       <p:sp>
         <p:nvSpPr>
-          <p:cNvPr id="66" name="PlaceHolder 2"/>
+          <p:cNvPr id="65" name="PlaceHolder 2"/>
           <p:cNvSpPr>
             <a:spLocks noGrp="1"/>
           </p:cNvSpPr>
@@ -5032,7 +4922,7 @@
         <p:spPr>
           <a:xfrm>
             <a:off x="180000" y="1260000"/>
-            <a:ext cx="5400000" cy="3958920"/>
+            <a:ext cx="5399640" cy="3958560"/>
           </a:xfrm>
           <a:prstGeom prst="rect">
             <a:avLst/>
@@ -5063,43 +4953,7 @@
                 </a:solidFill>
                 <a:latin typeface="Arial"/>
               </a:rPr>
-              <a:t>Algorithm uses multiple tests to check if generated lead is acceptable. First of all, all notes are compared with </a:t>
-            </a:r>
-            <a:r>
-              <a:rPr b="0" lang="ru-RU" sz="1400" spc="-1" strike="noStrike">
-                <a:solidFill>
-                  <a:srgbClr val="ffffff"/>
-                </a:solidFill>
-                <a:latin typeface="Arial"/>
-              </a:rPr>
-              <a:t>the ideal lead: algorithm compares both distances between pitches from the generated lead and the ideal one </a:t>
-            </a:r>
-            <a:r>
-              <a:rPr b="0" lang="ru-RU" sz="1400" spc="-1" strike="noStrike">
-                <a:solidFill>
-                  <a:srgbClr val="ffffff"/>
-                </a:solidFill>
-                <a:latin typeface="Arial"/>
-              </a:rPr>
-              <a:t>and tempo (delays) between notes. Partial coincidence is counted for distances in pitch, but tempo match is </a:t>
-            </a:r>
-            <a:r>
-              <a:rPr b="0" lang="ru-RU" sz="1400" spc="-1" strike="noStrike">
-                <a:solidFill>
-                  <a:srgbClr val="ffffff"/>
-                </a:solidFill>
-                <a:latin typeface="Arial"/>
-              </a:rPr>
-              <a:t>more strict. For pitch match it gives 1/4 of the amount that can be achieved by the single note, for tempo match </a:t>
-            </a:r>
-            <a:r>
-              <a:rPr b="0" lang="ru-RU" sz="1400" spc="-1" strike="noStrike">
-                <a:solidFill>
-                  <a:srgbClr val="ffffff"/>
-                </a:solidFill>
-                <a:latin typeface="Arial"/>
-              </a:rPr>
-              <a:t>it gives 3/4. Every note weights 1 / lead size.</a:t>
+              <a:t>Algorithm uses multiple tests to check if generated lead is acceptable. First of all, all notes are compared with the ideal lead: algorithm compares both distances between pitches from the generated lead and the ideal one and tempo (delays) between notes. Partial coincidence is counted for distances in pitch, but tempo match is more strict. For pitch match it gives 1/4 of the amount that can be achieved by the single note, for tempo match it gives 3/4. Every note weights 1 / lead size.</a:t>
             </a:r>
             <a:br>
               <a:rPr sz="1400"/>
@@ -5114,25 +4968,7 @@
                 </a:solidFill>
                 <a:latin typeface="Arial"/>
               </a:rPr>
-              <a:t>Other restrictions are also chosen: 1) legnth should be less than 11 2) same note cannot repeat 3 times one </a:t>
-            </a:r>
-            <a:r>
-              <a:rPr b="0" lang="ru-RU" sz="1400" spc="-1" strike="noStrike">
-                <a:solidFill>
-                  <a:srgbClr val="ffffff"/>
-                </a:solidFill>
-                <a:latin typeface="Arial"/>
-              </a:rPr>
-              <a:t>after another 3) distances between neighbour notes cannot be greater than 7 semitones 4) number of the </a:t>
-            </a:r>
-            <a:r>
-              <a:rPr b="0" lang="ru-RU" sz="1400" spc="-1" strike="noStrike">
-                <a:solidFill>
-                  <a:srgbClr val="ffffff"/>
-                </a:solidFill>
-                <a:latin typeface="Arial"/>
-              </a:rPr>
-              <a:t>delays between parts is less than 4 (not greater than 4 parts in the melody)</a:t>
+              <a:t>Other restrictions are also chosen: 1) legnth should be less than 11 2) same note cannot repeat 3 times one after another 3) distances between neighbour notes cannot be greater than 7 semitones 4) number of the delays between parts is less than 4 (not greater than 4 parts in the melody)</a:t>
             </a:r>
             <a:endParaRPr b="0" lang="ru-RU" sz="1400" spc="-1" strike="noStrike">
               <a:solidFill>
@@ -5188,7 +5024,7 @@
       </p:sp>
       <p:pic>
         <p:nvPicPr>
-          <p:cNvPr id="67" name="" descr=""/>
+          <p:cNvPr id="66" name="" descr=""/>
           <p:cNvPicPr/>
           <p:nvPr/>
         </p:nvPicPr>
@@ -5199,7 +5035,7 @@
         <p:spPr>
           <a:xfrm>
             <a:off x="5724360" y="1260000"/>
-            <a:ext cx="4175640" cy="3324960"/>
+            <a:ext cx="4175280" cy="3324600"/>
           </a:xfrm>
           <a:prstGeom prst="rect">
             <a:avLst/>
@@ -5241,7 +5077,7 @@
       </p:grpSpPr>
       <p:sp>
         <p:nvSpPr>
-          <p:cNvPr id="68" name="PlaceHolder 1"/>
+          <p:cNvPr id="67" name="PlaceHolder 1"/>
           <p:cNvSpPr>
             <a:spLocks noGrp="1"/>
           </p:cNvSpPr>
@@ -5252,7 +5088,7 @@
         <p:spPr>
           <a:xfrm>
             <a:off x="444600" y="360000"/>
-            <a:ext cx="9070560" cy="945720"/>
+            <a:ext cx="9070200" cy="945360"/>
           </a:xfrm>
           <a:prstGeom prst="rect">
             <a:avLst/>
@@ -5296,7 +5132,7 @@
       </p:sp>
       <p:sp>
         <p:nvSpPr>
-          <p:cNvPr id="69" name="PlaceHolder 2"/>
+          <p:cNvPr id="68" name="PlaceHolder 2"/>
           <p:cNvSpPr>
             <a:spLocks noGrp="1"/>
           </p:cNvSpPr>
@@ -5307,7 +5143,7 @@
         <p:spPr>
           <a:xfrm>
             <a:off x="504360" y="1440000"/>
-            <a:ext cx="4535640" cy="3958920"/>
+            <a:ext cx="4535280" cy="3958560"/>
           </a:xfrm>
           <a:prstGeom prst="rect">
             <a:avLst/>
@@ -5338,25 +5174,7 @@
                 </a:solidFill>
                 <a:latin typeface="Arial"/>
               </a:rPr>
-              <a:t>In the crossover method, multiple points are randomly chosen. Number of points is also randomly </a:t>
-            </a:r>
-            <a:r>
-              <a:rPr b="0" lang="ru-RU" sz="1600" spc="-1" strike="noStrike">
-                <a:solidFill>
-                  <a:srgbClr val="ffffff"/>
-                </a:solidFill>
-                <a:latin typeface="Arial"/>
-              </a:rPr>
-              <a:t>generated in range [1;4]. Then, two parents form the child for the next generation. Additionally, </a:t>
-            </a:r>
-            <a:r>
-              <a:rPr b="0" lang="ru-RU" sz="1600" spc="-1" strike="noStrike">
-                <a:solidFill>
-                  <a:srgbClr val="ffffff"/>
-                </a:solidFill>
-                <a:latin typeface="Arial"/>
-              </a:rPr>
-              <a:t>parent can still appear in the next population.</a:t>
+              <a:t>In the crossover method, multiple points are randomly chosen. Number of points is also randomly generated in range [1;4]. Then, two parents form the child for the next generation. Additionally, parent can still appear in the next population.</a:t>
             </a:r>
             <a:br>
               <a:rPr sz="1600"/>
@@ -5405,16 +5223,7 @@
                 </a:solidFill>
                 <a:latin typeface="Arial"/>
               </a:rPr>
-              <a:t>Mutation algorithm traverses through the lead, randomly picks some notes and randomizes their </a:t>
-            </a:r>
-            <a:r>
-              <a:rPr b="0" lang="ru-RU" sz="1600" spc="-1" strike="noStrike">
-                <a:solidFill>
-                  <a:srgbClr val="ffffff"/>
-                </a:solidFill>
-                <a:latin typeface="Arial"/>
-              </a:rPr>
-              <a:t>pitch. Obtained notes still lie on the scale.</a:t>
+              <a:t>Mutation algorithm traverses through the lead, randomly picks some notes and randomizes their pitch. Obtained notes still lie on the scale.</a:t>
             </a:r>
             <a:br>
               <a:rPr sz="1600"/>
@@ -5440,6 +5249,29 @@
           </a:p>
         </p:txBody>
       </p:sp>
+      <p:pic>
+        <p:nvPicPr>
+          <p:cNvPr id="69" name="" descr=""/>
+          <p:cNvPicPr/>
+          <p:nvPr/>
+        </p:nvPicPr>
+        <p:blipFill>
+          <a:blip r:embed="rId1"/>
+          <a:stretch/>
+        </p:blipFill>
+        <p:spPr>
+          <a:xfrm>
+            <a:off x="5093280" y="1123920"/>
+            <a:ext cx="4254840" cy="2159640"/>
+          </a:xfrm>
+          <a:prstGeom prst="rect">
+            <a:avLst/>
+          </a:prstGeom>
+          <a:ln w="0">
+            <a:noFill/>
+          </a:ln>
+        </p:spPr>
+      </p:pic>
       <p:pic>
         <p:nvPicPr>
           <p:cNvPr id="70" name="" descr=""/>
@@ -5447,36 +5279,13 @@
           <p:nvPr/>
         </p:nvPicPr>
         <p:blipFill>
-          <a:blip r:embed="rId1"/>
-          <a:stretch/>
-        </p:blipFill>
-        <p:spPr>
-          <a:xfrm>
-            <a:off x="5093280" y="1123920"/>
-            <a:ext cx="4255200" cy="2160000"/>
-          </a:xfrm>
-          <a:prstGeom prst="rect">
-            <a:avLst/>
-          </a:prstGeom>
-          <a:ln w="0">
-            <a:noFill/>
-          </a:ln>
-        </p:spPr>
-      </p:pic>
-      <p:pic>
-        <p:nvPicPr>
-          <p:cNvPr id="71" name="" descr=""/>
-          <p:cNvPicPr/>
-          <p:nvPr/>
-        </p:nvPicPr>
-        <p:blipFill>
           <a:blip r:embed="rId2"/>
           <a:stretch/>
         </p:blipFill>
         <p:spPr>
           <a:xfrm>
             <a:off x="5163120" y="3600000"/>
-            <a:ext cx="4196880" cy="1685160"/>
+            <a:ext cx="4196520" cy="1684800"/>
           </a:xfrm>
           <a:prstGeom prst="rect">
             <a:avLst/>
@@ -5518,7 +5327,7 @@
       </p:grpSpPr>
       <p:sp>
         <p:nvSpPr>
-          <p:cNvPr id="72" name="PlaceHolder 1"/>
+          <p:cNvPr id="71" name="PlaceHolder 1"/>
           <p:cNvSpPr>
             <a:spLocks noGrp="1"/>
           </p:cNvSpPr>
@@ -5529,7 +5338,7 @@
         <p:spPr>
           <a:xfrm>
             <a:off x="444600" y="360000"/>
-            <a:ext cx="9070560" cy="945720"/>
+            <a:ext cx="9070200" cy="945360"/>
           </a:xfrm>
           <a:prstGeom prst="rect">
             <a:avLst/>
@@ -5573,7 +5382,7 @@
       </p:sp>
       <p:sp>
         <p:nvSpPr>
-          <p:cNvPr id="73" name="PlaceHolder 2"/>
+          <p:cNvPr id="72" name="PlaceHolder 2"/>
           <p:cNvSpPr>
             <a:spLocks noGrp="1"/>
           </p:cNvSpPr>
@@ -5584,7 +5393,7 @@
         <p:spPr>
           <a:xfrm>
             <a:off x="504360" y="1440000"/>
-            <a:ext cx="4175640" cy="3958920"/>
+            <a:ext cx="4175280" cy="3958560"/>
           </a:xfrm>
           <a:prstGeom prst="rect">
             <a:avLst/>
@@ -5615,7 +5424,7 @@
                 </a:solidFill>
                 <a:latin typeface="Arial"/>
               </a:rPr>
-              <a:t>Harmony generation has not changed: it still traverses through the combination of two generated leads and either puts new note or extends previous one with the length and the delay of the current note from the lead. All chords are generated on octave 3 with Aeolian mode map.</a:t>
+              <a:t>Algorithm traverses through the combination of two generated leads and either puts new note or extends previous one with the length and the delay of the current note from the lead. All chords are generated on octave 3 with Aeolian mode map.</a:t>
             </a:r>
             <a:br>
               <a:rPr sz="1600"/>
@@ -5643,7 +5452,7 @@
       </p:sp>
       <p:pic>
         <p:nvPicPr>
-          <p:cNvPr id="74" name="" descr=""/>
+          <p:cNvPr id="73" name="" descr=""/>
           <p:cNvPicPr/>
           <p:nvPr/>
         </p:nvPicPr>
@@ -5654,7 +5463,7 @@
         <p:spPr>
           <a:xfrm>
             <a:off x="5078520" y="1305720"/>
-            <a:ext cx="4281480" cy="3782160"/>
+            <a:ext cx="4281120" cy="3781800"/>
           </a:xfrm>
           <a:prstGeom prst="rect">
             <a:avLst/>
@@ -5696,7 +5505,7 @@
       </p:grpSpPr>
       <p:sp>
         <p:nvSpPr>
-          <p:cNvPr id="75" name="PlaceHolder 1"/>
+          <p:cNvPr id="74" name="PlaceHolder 1"/>
           <p:cNvSpPr>
             <a:spLocks noGrp="1"/>
           </p:cNvSpPr>
@@ -5707,7 +5516,7 @@
         <p:spPr>
           <a:xfrm>
             <a:off x="444600" y="360000"/>
-            <a:ext cx="9070560" cy="945720"/>
+            <a:ext cx="9070200" cy="945360"/>
           </a:xfrm>
           <a:prstGeom prst="rect">
             <a:avLst/>
@@ -5751,7 +5560,7 @@
       </p:sp>
       <p:sp>
         <p:nvSpPr>
-          <p:cNvPr id="76" name="PlaceHolder 2"/>
+          <p:cNvPr id="75" name="PlaceHolder 2"/>
           <p:cNvSpPr>
             <a:spLocks noGrp="1"/>
           </p:cNvSpPr>
@@ -5762,7 +5571,7 @@
         <p:spPr>
           <a:xfrm>
             <a:off x="504360" y="1440000"/>
-            <a:ext cx="9034560" cy="3958920"/>
+            <a:ext cx="9034200" cy="3958560"/>
           </a:xfrm>
           <a:prstGeom prst="rect">
             <a:avLst/>
